--- a/presentations/2013-03 HIMSS/FHIR HIMSS 2013.pptx
+++ b/presentations/2013-03 HIMSS/FHIR HIMSS 2013.pptx
@@ -5,10 +5,10 @@
     <p:sldMasterId id="2147483648" r:id="rId1"/>
   </p:sldMasterIdLst>
   <p:notesMasterIdLst>
-    <p:notesMasterId r:id="rId19"/>
+    <p:notesMasterId r:id="rId20"/>
   </p:notesMasterIdLst>
   <p:handoutMasterIdLst>
-    <p:handoutMasterId r:id="rId20"/>
+    <p:handoutMasterId r:id="rId21"/>
   </p:handoutMasterIdLst>
   <p:sldIdLst>
     <p:sldId id="264" r:id="rId2"/>
@@ -24,10 +24,11 @@
     <p:sldId id="286" r:id="rId12"/>
     <p:sldId id="287" r:id="rId13"/>
     <p:sldId id="295" r:id="rId14"/>
-    <p:sldId id="288" r:id="rId15"/>
-    <p:sldId id="289" r:id="rId16"/>
-    <p:sldId id="299" r:id="rId17"/>
-    <p:sldId id="294" r:id="rId18"/>
+    <p:sldId id="301" r:id="rId15"/>
+    <p:sldId id="288" r:id="rId16"/>
+    <p:sldId id="289" r:id="rId17"/>
+    <p:sldId id="299" r:id="rId18"/>
+    <p:sldId id="294" r:id="rId19"/>
   </p:sldIdLst>
   <p:sldSz cx="9144000" cy="6858000" type="screen4x3"/>
   <p:notesSz cx="6858000" cy="9144000"/>
@@ -261,7 +262,7 @@
             <a:fld id="{13A7FB80-B934-4A12-BAB1-2DE9F68F2A4C}" type="datetimeFigureOut">
               <a:rPr lang="en-US"/>
               <a:pPr/>
-              <a:t>3/2/2013</a:t>
+              <a:t>9/28/2013</a:t>
             </a:fld>
             <a:endParaRPr lang="en-US"/>
           </a:p>
@@ -467,7 +468,7 @@
             <a:fld id="{1A9BA65F-3B6A-42D0-A6F4-53B06D05FB96}" type="datetimeFigureOut">
               <a:rPr lang="en-US"/>
               <a:pPr/>
-              <a:t>3/2/2013</a:t>
+              <a:t>9/28/2013</a:t>
             </a:fld>
             <a:endParaRPr lang="en-US"/>
           </a:p>
@@ -3158,8 +3159,11 @@
               <a:rPr lang="en-US" dirty="0" smtClean="0">
                 <a:latin typeface="Calibri" pitchFamily="34" charset="0"/>
               </a:rPr>
-              <a:t>Collaborations</a:t>
-            </a:r>
+              <a:t>Progress</a:t>
+            </a:r>
+            <a:endParaRPr lang="en-US" dirty="0" smtClean="0">
+              <a:latin typeface="Calibri" pitchFamily="34" charset="0"/>
+            </a:endParaRPr>
           </a:p>
         </p:txBody>
       </p:sp>
@@ -3184,90 +3188,93 @@
           <a:lstStyle/>
           <a:p>
             <a:r>
-              <a:rPr lang="en-AU" dirty="0"/>
-              <a:t>IHE</a:t>
-            </a:r>
+              <a:rPr lang="en-US" dirty="0" smtClean="0">
+                <a:latin typeface="Calibri" pitchFamily="34" charset="0"/>
+              </a:rPr>
+              <a:t>Enthusiastic Community Adoption</a:t>
+            </a:r>
+          </a:p>
+          <a:p>
+            <a:r>
+              <a:rPr lang="en-US" dirty="0" smtClean="0">
+                <a:latin typeface="Calibri" pitchFamily="34" charset="0"/>
+              </a:rPr>
+              <a:t>Geometric Growth in </a:t>
+            </a:r>
+            <a:r>
+              <a:rPr lang="en-US" dirty="0" err="1" smtClean="0">
+                <a:latin typeface="Calibri" pitchFamily="34" charset="0"/>
+              </a:rPr>
+              <a:t>Connectathons</a:t>
+            </a:r>
+            <a:endParaRPr lang="en-US" dirty="0" smtClean="0">
+              <a:latin typeface="Calibri" pitchFamily="34" charset="0"/>
+            </a:endParaRPr>
+          </a:p>
+          <a:p>
+            <a:r>
+              <a:rPr lang="en-US" dirty="0" smtClean="0">
+                <a:solidFill>
+                  <a:schemeClr val="bg1"/>
+                </a:solidFill>
+                <a:latin typeface="Calibri" pitchFamily="34" charset="0"/>
+              </a:rPr>
+              <a:t>Recognition at HITSC &amp; other national programs</a:t>
+            </a:r>
+          </a:p>
+          <a:p>
+            <a:r>
+              <a:rPr lang="en-US" dirty="0" smtClean="0">
+                <a:solidFill>
+                  <a:schemeClr val="bg1"/>
+                </a:solidFill>
+                <a:latin typeface="Calibri" pitchFamily="34" charset="0"/>
+              </a:rPr>
+              <a:t>Candidate and Prototype programs</a:t>
+            </a:r>
+            <a:endParaRPr lang="en-US" dirty="0">
+              <a:latin typeface="Calibri" pitchFamily="34" charset="0"/>
+            </a:endParaRPr>
           </a:p>
           <a:p>
             <a:pPr lvl="1"/>
             <a:r>
-              <a:rPr lang="en-AU" dirty="0">
+              <a:rPr lang="en-US" dirty="0" smtClean="0">
                 <a:solidFill>
                   <a:schemeClr val="bg1"/>
                 </a:solidFill>
-              </a:rPr>
-              <a:t>investigating - use of FHIR for MHD (mobile XDS)</a:t>
-            </a:r>
-          </a:p>
-          <a:p>
-            <a:r>
-              <a:rPr lang="en-AU" dirty="0"/>
-              <a:t>DICOM</a:t>
+                <a:latin typeface="Calibri" pitchFamily="34" charset="0"/>
+              </a:rPr>
+              <a:t>Data Collection / Specification</a:t>
             </a:r>
           </a:p>
           <a:p>
             <a:pPr lvl="1"/>
             <a:r>
-              <a:rPr lang="en-AU" dirty="0">
+              <a:rPr lang="en-US" dirty="0" smtClean="0">
                 <a:solidFill>
                   <a:schemeClr val="bg1"/>
                 </a:solidFill>
-              </a:rPr>
-              <a:t>interested - </a:t>
-            </a:r>
-            <a:r>
-              <a:rPr lang="en-AU" dirty="0" err="1">
+                <a:latin typeface="Calibri" pitchFamily="34" charset="0"/>
+              </a:rPr>
+              <a:t>Exchange &amp; Integration</a:t>
+            </a:r>
+          </a:p>
+          <a:p>
+            <a:pPr lvl="1"/>
+            <a:r>
+              <a:rPr lang="en-US" smtClean="0">
                 <a:solidFill>
                   <a:schemeClr val="bg1"/>
                 </a:solidFill>
-              </a:rPr>
-              <a:t>RESTful</a:t>
-            </a:r>
-            <a:r>
-              <a:rPr lang="en-AU" dirty="0">
-                <a:solidFill>
-                  <a:schemeClr val="bg1"/>
-                </a:solidFill>
-              </a:rPr>
-              <a:t> access to image metadata</a:t>
-            </a:r>
-          </a:p>
-          <a:p>
-            <a:r>
-              <a:rPr lang="en-AU" dirty="0"/>
-              <a:t>W3C </a:t>
-            </a:r>
-          </a:p>
-          <a:p>
-            <a:pPr lvl="1"/>
-            <a:r>
-              <a:rPr lang="en-AU" dirty="0">
-                <a:solidFill>
-                  <a:schemeClr val="bg1"/>
-                </a:solidFill>
-              </a:rPr>
-              <a:t>Semantic health group helping us with RDF</a:t>
-            </a:r>
-          </a:p>
-          <a:p>
-            <a:pPr lvl="1"/>
-            <a:endParaRPr lang="en-AU" dirty="0">
+                <a:latin typeface="Calibri" pitchFamily="34" charset="0"/>
+              </a:rPr>
+              <a:t>Analysis</a:t>
+            </a:r>
+            <a:endParaRPr lang="en-US" dirty="0" smtClean="0">
               <a:solidFill>
                 <a:schemeClr val="bg1"/>
               </a:solidFill>
-            </a:endParaRPr>
-          </a:p>
-          <a:p>
-            <a:r>
-              <a:rPr lang="en-AU" dirty="0"/>
-              <a:t>Lots of work to be done</a:t>
-            </a:r>
-          </a:p>
-          <a:p>
-            <a:pPr marL="0" indent="0" eaLnBrk="1" hangingPunct="1">
-              <a:buNone/>
-            </a:pPr>
-            <a:endParaRPr lang="en-US" dirty="0" smtClean="0">
               <a:latin typeface="Calibri" pitchFamily="34" charset="0"/>
             </a:endParaRPr>
           </a:p>
@@ -3329,7 +3336,7 @@
     </p:spTree>
     <p:extLst>
       <p:ext uri="{BB962C8B-B14F-4D97-AF65-F5344CB8AC3E}">
-        <p14:creationId xmlns:p14="http://schemas.microsoft.com/office/powerpoint/2010/main" val="297718497"/>
+        <p14:creationId xmlns:p14="http://schemas.microsoft.com/office/powerpoint/2010/main" val="2390431326"/>
       </p:ext>
     </p:extLst>
   </p:cSld>
@@ -3383,13 +3390,13 @@
           <a:bodyPr/>
           <a:lstStyle/>
           <a:p>
-            <a:r>
-              <a:rPr lang="en-AU" dirty="0"/>
-              <a:t>Future Plans</a:t>
-            </a:r>
-            <a:endParaRPr lang="en-US" dirty="0" smtClean="0">
-              <a:latin typeface="Calibri" pitchFamily="34" charset="0"/>
-            </a:endParaRPr>
+            <a:pPr eaLnBrk="1" hangingPunct="1"/>
+            <a:r>
+              <a:rPr lang="en-US" dirty="0" smtClean="0">
+                <a:latin typeface="Calibri" pitchFamily="34" charset="0"/>
+              </a:rPr>
+              <a:t>Collaborations</a:t>
+            </a:r>
           </a:p>
         </p:txBody>
       </p:sp>
@@ -3413,119 +3420,58 @@
           <a:bodyPr/>
           <a:lstStyle/>
           <a:p>
-            <a:r>
-              <a:rPr lang="en-AU" dirty="0" smtClean="0"/>
-              <a:t>Internal preparation phase</a:t>
-            </a:r>
-            <a:endParaRPr lang="en-AU" dirty="0"/>
-          </a:p>
-          <a:p>
-            <a:pPr lvl="1"/>
-            <a:r>
-              <a:rPr lang="en-AU" dirty="0" smtClean="0">
-                <a:solidFill>
-                  <a:schemeClr val="bg1"/>
-                </a:solidFill>
-              </a:rPr>
-              <a:t>Very </a:t>
-            </a:r>
-            <a:r>
-              <a:rPr lang="en-AU" dirty="0">
-                <a:solidFill>
-                  <a:schemeClr val="bg1"/>
-                </a:solidFill>
-              </a:rPr>
-              <a:t>solid </a:t>
-            </a:r>
-            <a:r>
-              <a:rPr lang="en-AU" dirty="0" smtClean="0">
-                <a:solidFill>
-                  <a:schemeClr val="bg1"/>
-                </a:solidFill>
-              </a:rPr>
-              <a:t>infrastructure (implementation </a:t>
-            </a:r>
-            <a:r>
-              <a:rPr lang="en-AU" dirty="0">
-                <a:solidFill>
-                  <a:schemeClr val="bg1"/>
-                </a:solidFill>
-              </a:rPr>
-              <a:t>focus)</a:t>
-            </a:r>
-          </a:p>
-          <a:p>
-            <a:pPr lvl="1"/>
-            <a:r>
-              <a:rPr lang="en-AU" dirty="0" smtClean="0">
-                <a:solidFill>
-                  <a:schemeClr val="bg1"/>
-                </a:solidFill>
-              </a:rPr>
-              <a:t>More work required still</a:t>
-            </a:r>
-          </a:p>
-          <a:p>
-            <a:pPr lvl="1"/>
-            <a:endParaRPr lang="en-AU" dirty="0" smtClean="0">
-              <a:solidFill>
-                <a:schemeClr val="bg1"/>
-              </a:solidFill>
-            </a:endParaRPr>
-          </a:p>
-          <a:p>
-            <a:r>
-              <a:rPr lang="en-AU" dirty="0" smtClean="0"/>
-              <a:t>September </a:t>
-            </a:r>
-            <a:r>
-              <a:rPr lang="en-AU" dirty="0"/>
-              <a:t>ballot cycle – </a:t>
-            </a:r>
-            <a:r>
-              <a:rPr lang="en-AU" dirty="0" smtClean="0"/>
-              <a:t>DSTU</a:t>
-            </a:r>
-          </a:p>
-          <a:p>
-            <a:pPr lvl="1"/>
-            <a:r>
-              <a:rPr lang="en-AU" dirty="0" smtClean="0">
-                <a:solidFill>
-                  <a:schemeClr val="bg1"/>
-                </a:solidFill>
-              </a:rPr>
-              <a:t>DSTU = Draft Standard for Trial Use</a:t>
-            </a:r>
-            <a:endParaRPr lang="en-AU" dirty="0">
-              <a:solidFill>
-                <a:schemeClr val="bg1"/>
-              </a:solidFill>
-            </a:endParaRPr>
-          </a:p>
-          <a:p>
-            <a:pPr lvl="1"/>
-            <a:r>
-              <a:rPr lang="en-AU" dirty="0">
-                <a:solidFill>
-                  <a:schemeClr val="bg1"/>
-                </a:solidFill>
-              </a:rPr>
-              <a:t>Publish FHIR as full DSTU end </a:t>
-            </a:r>
-            <a:r>
-              <a:rPr lang="en-AU" dirty="0" smtClean="0">
-                <a:solidFill>
-                  <a:schemeClr val="bg1"/>
-                </a:solidFill>
-              </a:rPr>
-              <a:t>2013</a:t>
-            </a:r>
-            <a:endParaRPr lang="en-AU" dirty="0">
-              <a:solidFill>
-                <a:schemeClr val="bg1"/>
-              </a:solidFill>
-            </a:endParaRPr>
+            <a:pPr marL="0" indent="0" eaLnBrk="1" hangingPunct="1">
+              <a:buNone/>
+            </a:pPr>
+            <a:r>
+              <a:rPr lang="en-US" dirty="0" smtClean="0">
+                <a:latin typeface="Calibri" pitchFamily="34" charset="0"/>
+              </a:rPr>
+              <a:t>Harvard Clinical Genomics resources: </a:t>
+            </a:r>
+          </a:p>
+          <a:p>
+            <a:r>
+              <a:rPr lang="en-US" dirty="0" smtClean="0">
+                <a:latin typeface="Calibri" pitchFamily="34" charset="0"/>
+              </a:rPr>
+              <a:t>Sequences</a:t>
+            </a:r>
+          </a:p>
+          <a:p>
+            <a:r>
+              <a:rPr lang="en-US" dirty="0" smtClean="0">
+                <a:latin typeface="Calibri" pitchFamily="34" charset="0"/>
+              </a:rPr>
+              <a:t>Diagnostics</a:t>
+            </a:r>
+          </a:p>
+          <a:p>
+            <a:r>
+              <a:rPr lang="en-US" dirty="0" smtClean="0">
+                <a:latin typeface="Calibri" pitchFamily="34" charset="0"/>
+              </a:rPr>
+              <a:t>Genome Expression</a:t>
+            </a:r>
+          </a:p>
+          <a:p>
+            <a:r>
+              <a:rPr lang="en-US" dirty="0" smtClean="0">
+                <a:latin typeface="Calibri" pitchFamily="34" charset="0"/>
+              </a:rPr>
+              <a:t>Analysis</a:t>
+            </a:r>
+          </a:p>
+          <a:p>
+            <a:pPr marL="0" indent="0">
+              <a:buNone/>
+            </a:pPr>
+            <a:r>
+              <a:rPr lang="en-US" dirty="0" smtClean="0">
+                <a:latin typeface="Calibri" pitchFamily="34" charset="0"/>
+              </a:rPr>
+              <a:t>Progression towards full standard</a:t>
+            </a:r>
           </a:p>
           <a:p>
             <a:pPr marL="0" indent="0" eaLnBrk="1" hangingPunct="1">
@@ -3593,7 +3539,7 @@
     </p:spTree>
     <p:extLst>
       <p:ext uri="{BB962C8B-B14F-4D97-AF65-F5344CB8AC3E}">
-        <p14:creationId xmlns:p14="http://schemas.microsoft.com/office/powerpoint/2010/main" val="3305889498"/>
+        <p14:creationId xmlns:p14="http://schemas.microsoft.com/office/powerpoint/2010/main" val="297718497"/>
       </p:ext>
     </p:extLst>
   </p:cSld>
@@ -3647,13 +3593,13 @@
           <a:bodyPr/>
           <a:lstStyle/>
           <a:p>
-            <a:pPr eaLnBrk="1" hangingPunct="1"/>
-            <a:r>
-              <a:rPr lang="en-US" dirty="0" smtClean="0">
-                <a:latin typeface="Calibri" pitchFamily="34" charset="0"/>
-              </a:rPr>
-              <a:t>Follow Up</a:t>
-            </a:r>
+            <a:r>
+              <a:rPr lang="en-AU" dirty="0"/>
+              <a:t>Future Plans</a:t>
+            </a:r>
+            <a:endParaRPr lang="en-US" dirty="0" smtClean="0">
+              <a:latin typeface="Calibri" pitchFamily="34" charset="0"/>
+            </a:endParaRPr>
           </a:p>
         </p:txBody>
       </p:sp>
@@ -3678,65 +3624,88 @@
           <a:lstStyle/>
           <a:p>
             <a:r>
+              <a:rPr lang="en-AU" dirty="0" smtClean="0"/>
+              <a:t>Internal preparation phase</a:t>
+            </a:r>
+            <a:endParaRPr lang="en-AU" dirty="0"/>
+          </a:p>
+          <a:p>
+            <a:pPr lvl="1"/>
+            <a:r>
+              <a:rPr lang="en-AU" dirty="0" smtClean="0">
+                <a:solidFill>
+                  <a:schemeClr val="bg1"/>
+                </a:solidFill>
+              </a:rPr>
+              <a:t>Very </a:t>
+            </a:r>
+            <a:r>
+              <a:rPr lang="en-AU" dirty="0">
+                <a:solidFill>
+                  <a:schemeClr val="bg1"/>
+                </a:solidFill>
+              </a:rPr>
+              <a:t>solid </a:t>
+            </a:r>
+            <a:r>
+              <a:rPr lang="en-AU" dirty="0" smtClean="0">
+                <a:solidFill>
+                  <a:schemeClr val="bg1"/>
+                </a:solidFill>
+              </a:rPr>
+              <a:t>infrastructure (implementation </a:t>
+            </a:r>
+            <a:r>
+              <a:rPr lang="en-AU" dirty="0">
+                <a:solidFill>
+                  <a:schemeClr val="bg1"/>
+                </a:solidFill>
+              </a:rPr>
+              <a:t>focus)</a:t>
+            </a:r>
+          </a:p>
+          <a:p>
+            <a:pPr lvl="1"/>
+            <a:r>
+              <a:rPr lang="en-AU" dirty="0" smtClean="0">
+                <a:solidFill>
+                  <a:schemeClr val="bg1"/>
+                </a:solidFill>
+              </a:rPr>
+              <a:t>More work required still</a:t>
+            </a:r>
+          </a:p>
+          <a:p>
+            <a:pPr lvl="1"/>
+            <a:endParaRPr lang="en-AU" dirty="0" smtClean="0">
+              <a:solidFill>
+                <a:schemeClr val="bg1"/>
+              </a:solidFill>
+            </a:endParaRPr>
+          </a:p>
+          <a:p>
+            <a:r>
+              <a:rPr lang="en-AU" dirty="0" smtClean="0"/>
+              <a:t>September </a:t>
+            </a:r>
+            <a:r>
               <a:rPr lang="en-AU" dirty="0"/>
-              <a:t>Read the spec: </a:t>
-            </a:r>
-            <a:r>
-              <a:rPr lang="en-AU" dirty="0">
-                <a:hlinkClick r:id="rId2"/>
-              </a:rPr>
-              <a:t>http://hl7.org/fhir</a:t>
-            </a:r>
-            <a:endParaRPr lang="en-AU" dirty="0"/>
-          </a:p>
-          <a:p>
-            <a:r>
-              <a:rPr lang="en-AU" dirty="0"/>
-              <a:t>Follow #FHIR on Twitter</a:t>
-            </a:r>
-          </a:p>
-          <a:p>
-            <a:r>
-              <a:rPr lang="en-AU" dirty="0"/>
-              <a:t>Shape the specification:</a:t>
+              <a:t>ballot cycle – </a:t>
+            </a:r>
+            <a:r>
+              <a:rPr lang="en-AU" dirty="0" smtClean="0"/>
+              <a:t>DSTU</a:t>
             </a:r>
           </a:p>
           <a:p>
             <a:pPr lvl="1"/>
             <a:r>
-              <a:rPr lang="en-AU" dirty="0">
+              <a:rPr lang="en-AU" dirty="0" smtClean="0">
                 <a:solidFill>
                   <a:schemeClr val="bg1"/>
                 </a:solidFill>
               </a:rPr>
-              <a:t>Make comments online</a:t>
-            </a:r>
-          </a:p>
-          <a:p>
-            <a:pPr lvl="1"/>
-            <a:r>
-              <a:rPr lang="en-AU" dirty="0">
-                <a:solidFill>
-                  <a:schemeClr val="bg1"/>
-                </a:solidFill>
-              </a:rPr>
-              <a:t>Join the FHIR email list </a:t>
-            </a:r>
-            <a:br>
-              <a:rPr lang="en-AU" dirty="0">
-                <a:solidFill>
-                  <a:schemeClr val="bg1"/>
-                </a:solidFill>
-              </a:rPr>
-            </a:br>
-            <a:r>
-              <a:rPr lang="en-AU" sz="1200" dirty="0">
-                <a:solidFill>
-                  <a:schemeClr val="bg1"/>
-                </a:solidFill>
-                <a:hlinkClick r:id="rId3"/>
-              </a:rPr>
-              <a:t>http://wiki.hl7.org/index.php?title=FHIR_email_list_subscription_instructions</a:t>
+              <a:t>DSTU = Draft Standard for Trial Use</a:t>
             </a:r>
             <a:endParaRPr lang="en-AU" dirty="0">
               <a:solidFill>
@@ -3752,46 +3721,21 @@
                   <a:schemeClr val="bg1"/>
                 </a:solidFill>
               </a:rPr>
-              <a:t>Try implementing it</a:t>
-            </a:r>
-          </a:p>
-          <a:p>
-            <a:pPr lvl="1"/>
-            <a:r>
-              <a:rPr lang="en-AU" dirty="0">
+              <a:t>Publish FHIR as full DSTU end </a:t>
+            </a:r>
+            <a:r>
+              <a:rPr lang="en-AU" dirty="0" smtClean="0">
                 <a:solidFill>
                   <a:schemeClr val="bg1"/>
                 </a:solidFill>
               </a:rPr>
-              <a:t>Come to the </a:t>
-            </a:r>
-            <a:r>
-              <a:rPr lang="en-AU" dirty="0" err="1">
-                <a:solidFill>
-                  <a:schemeClr val="bg1"/>
-                </a:solidFill>
-              </a:rPr>
-              <a:t>Connectathon</a:t>
-            </a:r>
-            <a:r>
-              <a:rPr lang="en-AU" dirty="0">
-                <a:solidFill>
-                  <a:schemeClr val="bg1"/>
-                </a:solidFill>
-              </a:rPr>
-              <a:t>!</a:t>
-            </a:r>
-          </a:p>
-          <a:p>
-            <a:pPr lvl="1"/>
-            <a:r>
-              <a:rPr lang="en-AU" dirty="0">
-                <a:solidFill>
-                  <a:schemeClr val="bg1"/>
-                </a:solidFill>
-              </a:rPr>
-              <a:t>Come to the next meeting (Atlanta in May)</a:t>
-            </a:r>
+              <a:t>2013</a:t>
+            </a:r>
+            <a:endParaRPr lang="en-AU" dirty="0">
+              <a:solidFill>
+                <a:schemeClr val="bg1"/>
+              </a:solidFill>
+            </a:endParaRPr>
           </a:p>
           <a:p>
             <a:pPr marL="0" indent="0" eaLnBrk="1" hangingPunct="1">
@@ -3836,7 +3780,7 @@
           <p:nvPr/>
         </p:nvPicPr>
         <p:blipFill rotWithShape="1">
-          <a:blip r:embed="rId4">
+          <a:blip r:embed="rId2">
             <a:extLst>
               <a:ext uri="{28A0092B-C50C-407E-A947-70E740481C1C}">
                 <a14:useLocalDpi xmlns:a14="http://schemas.microsoft.com/office/drawing/2010/main" val="0"/>
@@ -3859,7 +3803,7 @@
     </p:spTree>
     <p:extLst>
       <p:ext uri="{BB962C8B-B14F-4D97-AF65-F5344CB8AC3E}">
-        <p14:creationId xmlns:p14="http://schemas.microsoft.com/office/powerpoint/2010/main" val="3482873642"/>
+        <p14:creationId xmlns:p14="http://schemas.microsoft.com/office/powerpoint/2010/main" val="3305889498"/>
       </p:ext>
     </p:extLst>
   </p:cSld>
@@ -3918,7 +3862,7 @@
               <a:rPr lang="en-US" dirty="0" smtClean="0">
                 <a:latin typeface="Calibri" pitchFamily="34" charset="0"/>
               </a:rPr>
-              <a:t>FHIR</a:t>
+              <a:t>Follow Up</a:t>
             </a:r>
           </a:p>
         </p:txBody>
@@ -3943,51 +3887,120 @@
           <a:bodyPr/>
           <a:lstStyle/>
           <a:p>
-            <a:pPr eaLnBrk="1" hangingPunct="1">
-              <a:buFont typeface="Wingdings" pitchFamily="2" charset="2"/>
-              <a:buChar char="§"/>
-            </a:pPr>
-            <a:r>
-              <a:rPr lang="en-US" sz="4800" dirty="0" smtClean="0">
-                <a:latin typeface="Calibri" pitchFamily="34" charset="0"/>
-              </a:rPr>
-              <a:t>Simple…. FAST…</a:t>
-            </a:r>
-          </a:p>
-          <a:p>
-            <a:pPr eaLnBrk="1" hangingPunct="1">
-              <a:buFont typeface="Wingdings" pitchFamily="2" charset="2"/>
-              <a:buChar char="§"/>
-            </a:pPr>
-            <a:r>
-              <a:rPr lang="en-US" sz="4800" dirty="0" smtClean="0">
-                <a:latin typeface="Calibri" pitchFamily="34" charset="0"/>
-              </a:rPr>
-              <a:t>Easy to use and understand</a:t>
-            </a:r>
-          </a:p>
-          <a:p>
-            <a:pPr eaLnBrk="1" hangingPunct="1">
-              <a:buFont typeface="Wingdings" pitchFamily="2" charset="2"/>
-              <a:buChar char="§"/>
-            </a:pPr>
-            <a:r>
-              <a:rPr lang="en-US" sz="4800" dirty="0" smtClean="0">
-                <a:latin typeface="Calibri" pitchFamily="34" charset="0"/>
-              </a:rPr>
-              <a:t>Standard skills, tools</a:t>
-            </a:r>
-          </a:p>
-          <a:p>
-            <a:pPr eaLnBrk="1" hangingPunct="1">
-              <a:buFont typeface="Wingdings" pitchFamily="2" charset="2"/>
-              <a:buChar char="§"/>
-            </a:pPr>
-            <a:r>
-              <a:rPr lang="en-US" sz="4800" dirty="0" smtClean="0">
-                <a:latin typeface="Calibri" pitchFamily="34" charset="0"/>
-              </a:rPr>
-              <a:t>Cost-effective information sharing</a:t>
+            <a:r>
+              <a:rPr lang="en-AU" dirty="0"/>
+              <a:t>Read the spec: </a:t>
+            </a:r>
+            <a:r>
+              <a:rPr lang="en-AU" dirty="0">
+                <a:hlinkClick r:id="rId2"/>
+              </a:rPr>
+              <a:t>http://hl7.org/fhir</a:t>
+            </a:r>
+            <a:endParaRPr lang="en-AU" dirty="0"/>
+          </a:p>
+          <a:p>
+            <a:r>
+              <a:rPr lang="en-AU" dirty="0"/>
+              <a:t>Follow #FHIR on Twitter</a:t>
+            </a:r>
+          </a:p>
+          <a:p>
+            <a:r>
+              <a:rPr lang="en-AU" dirty="0"/>
+              <a:t>Shape the specification:</a:t>
+            </a:r>
+          </a:p>
+          <a:p>
+            <a:pPr lvl="1"/>
+            <a:r>
+              <a:rPr lang="en-AU" dirty="0">
+                <a:solidFill>
+                  <a:schemeClr val="bg1"/>
+                </a:solidFill>
+              </a:rPr>
+              <a:t>Make comments online</a:t>
+            </a:r>
+          </a:p>
+          <a:p>
+            <a:pPr lvl="1"/>
+            <a:r>
+              <a:rPr lang="en-AU" dirty="0">
+                <a:solidFill>
+                  <a:schemeClr val="bg1"/>
+                </a:solidFill>
+              </a:rPr>
+              <a:t>Join the FHIR email list </a:t>
+            </a:r>
+            <a:br>
+              <a:rPr lang="en-AU" dirty="0">
+                <a:solidFill>
+                  <a:schemeClr val="bg1"/>
+                </a:solidFill>
+              </a:rPr>
+            </a:br>
+            <a:r>
+              <a:rPr lang="en-AU" sz="1200" dirty="0">
+                <a:solidFill>
+                  <a:schemeClr val="bg1"/>
+                </a:solidFill>
+                <a:hlinkClick r:id="rId3"/>
+              </a:rPr>
+              <a:t>http://wiki.hl7.org/index.php?title=FHIR_email_list_subscription_instructions</a:t>
+            </a:r>
+            <a:endParaRPr lang="en-AU" dirty="0">
+              <a:solidFill>
+                <a:schemeClr val="bg1"/>
+              </a:solidFill>
+            </a:endParaRPr>
+          </a:p>
+          <a:p>
+            <a:pPr lvl="1"/>
+            <a:r>
+              <a:rPr lang="en-AU" dirty="0">
+                <a:solidFill>
+                  <a:schemeClr val="bg1"/>
+                </a:solidFill>
+              </a:rPr>
+              <a:t>Try implementing it</a:t>
+            </a:r>
+          </a:p>
+          <a:p>
+            <a:pPr lvl="1"/>
+            <a:r>
+              <a:rPr lang="en-AU" dirty="0">
+                <a:solidFill>
+                  <a:schemeClr val="bg1"/>
+                </a:solidFill>
+              </a:rPr>
+              <a:t>Come to the </a:t>
+            </a:r>
+            <a:r>
+              <a:rPr lang="en-AU" dirty="0" err="1">
+                <a:solidFill>
+                  <a:schemeClr val="bg1"/>
+                </a:solidFill>
+              </a:rPr>
+              <a:t>Connectathon</a:t>
+            </a:r>
+            <a:r>
+              <a:rPr lang="en-AU" dirty="0">
+                <a:solidFill>
+                  <a:schemeClr val="bg1"/>
+                </a:solidFill>
+              </a:rPr>
+              <a:t>!</a:t>
+            </a:r>
+          </a:p>
+          <a:p>
+            <a:pPr lvl="1"/>
+            <a:r>
+              <a:rPr lang="en-AU" dirty="0">
+                <a:solidFill>
+                  <a:schemeClr val="bg1"/>
+                </a:solidFill>
+              </a:rPr>
+              <a:t>Come to the next meeting (Atlanta in May)</a:t>
             </a:r>
           </a:p>
           <a:p>
@@ -4019,6 +4032,203 @@
               <a:rPr lang="en-US"/>
               <a:pPr/>
               <a:t>17</a:t>
+            </a:fld>
+            <a:endParaRPr lang="en-US"/>
+          </a:p>
+        </p:txBody>
+      </p:sp>
+      <p:pic>
+        <p:nvPicPr>
+          <p:cNvPr id="5" name="Picture 4"/>
+          <p:cNvPicPr>
+            <a:picLocks noChangeAspect="1"/>
+          </p:cNvPicPr>
+          <p:nvPr/>
+        </p:nvPicPr>
+        <p:blipFill rotWithShape="1">
+          <a:blip r:embed="rId4">
+            <a:extLst>
+              <a:ext uri="{28A0092B-C50C-407E-A947-70E740481C1C}">
+                <a14:useLocalDpi xmlns:a14="http://schemas.microsoft.com/office/drawing/2010/main" val="0"/>
+              </a:ext>
+            </a:extLst>
+          </a:blip>
+          <a:srcRect l="27071" t="19101" r="26890" b="29814"/>
+          <a:stretch/>
+        </p:blipFill>
+        <p:spPr>
+          <a:xfrm>
+            <a:off x="0" y="0"/>
+            <a:ext cx="1543574" cy="949891"/>
+          </a:xfrm>
+          <a:prstGeom prst="rect">
+            <a:avLst/>
+          </a:prstGeom>
+        </p:spPr>
+      </p:pic>
+    </p:spTree>
+    <p:extLst>
+      <p:ext uri="{BB962C8B-B14F-4D97-AF65-F5344CB8AC3E}">
+        <p14:creationId xmlns:p14="http://schemas.microsoft.com/office/powerpoint/2010/main" val="3482873642"/>
+      </p:ext>
+    </p:extLst>
+  </p:cSld>
+  <p:clrMapOvr>
+    <a:masterClrMapping/>
+  </p:clrMapOvr>
+  <p:timing>
+    <p:tnLst>
+      <p:par>
+        <p:cTn id="1" dur="indefinite" restart="never" nodeType="tmRoot"/>
+      </p:par>
+    </p:tnLst>
+  </p:timing>
+</p:sld>
+</file>
+
+<file path=ppt/slides/slide18.xml><?xml version="1.0" encoding="utf-8"?>
+<p:sld xmlns:a="http://schemas.openxmlformats.org/drawingml/2006/main" xmlns:r="http://schemas.openxmlformats.org/officeDocument/2006/relationships" xmlns:p="http://schemas.openxmlformats.org/presentationml/2006/main">
+  <p:cSld>
+    <p:spTree>
+      <p:nvGrpSpPr>
+        <p:cNvPr id="1" name=""/>
+        <p:cNvGrpSpPr/>
+        <p:nvPr/>
+      </p:nvGrpSpPr>
+      <p:grpSpPr>
+        <a:xfrm>
+          <a:off x="0" y="0"/>
+          <a:ext cx="0" cy="0"/>
+          <a:chOff x="0" y="0"/>
+          <a:chExt cx="0" cy="0"/>
+        </a:xfrm>
+      </p:grpSpPr>
+      <p:sp>
+        <p:nvSpPr>
+          <p:cNvPr id="8193" name="Title 1"/>
+          <p:cNvSpPr>
+            <a:spLocks noGrp="1"/>
+          </p:cNvSpPr>
+          <p:nvPr>
+            <p:ph type="title"/>
+          </p:nvPr>
+        </p:nvSpPr>
+        <p:spPr>
+          <a:xfrm>
+            <a:off x="457200" y="25400"/>
+            <a:ext cx="8229600" cy="1143000"/>
+          </a:xfrm>
+        </p:spPr>
+        <p:txBody>
+          <a:bodyPr/>
+          <a:lstStyle/>
+          <a:p>
+            <a:pPr eaLnBrk="1" hangingPunct="1"/>
+            <a:r>
+              <a:rPr lang="en-US" dirty="0" smtClean="0">
+                <a:latin typeface="Calibri" pitchFamily="34" charset="0"/>
+              </a:rPr>
+              <a:t>FHIR</a:t>
+            </a:r>
+          </a:p>
+        </p:txBody>
+      </p:sp>
+      <p:sp>
+        <p:nvSpPr>
+          <p:cNvPr id="8194" name="Content Placeholder 2"/>
+          <p:cNvSpPr>
+            <a:spLocks noGrp="1"/>
+          </p:cNvSpPr>
+          <p:nvPr>
+            <p:ph idx="1"/>
+          </p:nvPr>
+        </p:nvSpPr>
+        <p:spPr>
+          <a:xfrm>
+            <a:off x="457200" y="1610686"/>
+            <a:ext cx="8229600" cy="4469817"/>
+          </a:xfrm>
+        </p:spPr>
+        <p:txBody>
+          <a:bodyPr/>
+          <a:lstStyle/>
+          <a:p>
+            <a:pPr eaLnBrk="1" hangingPunct="1">
+              <a:buFont typeface="Wingdings" pitchFamily="2" charset="2"/>
+              <a:buChar char="§"/>
+            </a:pPr>
+            <a:r>
+              <a:rPr lang="en-US" sz="4800" dirty="0" smtClean="0">
+                <a:latin typeface="Calibri" pitchFamily="34" charset="0"/>
+              </a:rPr>
+              <a:t>Simple…. FAST…</a:t>
+            </a:r>
+          </a:p>
+          <a:p>
+            <a:pPr eaLnBrk="1" hangingPunct="1">
+              <a:buFont typeface="Wingdings" pitchFamily="2" charset="2"/>
+              <a:buChar char="§"/>
+            </a:pPr>
+            <a:r>
+              <a:rPr lang="en-US" sz="4800" dirty="0" smtClean="0">
+                <a:latin typeface="Calibri" pitchFamily="34" charset="0"/>
+              </a:rPr>
+              <a:t>Easy to use and understand</a:t>
+            </a:r>
+          </a:p>
+          <a:p>
+            <a:pPr eaLnBrk="1" hangingPunct="1">
+              <a:buFont typeface="Wingdings" pitchFamily="2" charset="2"/>
+              <a:buChar char="§"/>
+            </a:pPr>
+            <a:r>
+              <a:rPr lang="en-US" sz="4800" dirty="0" smtClean="0">
+                <a:latin typeface="Calibri" pitchFamily="34" charset="0"/>
+              </a:rPr>
+              <a:t>Standard skills, tools</a:t>
+            </a:r>
+          </a:p>
+          <a:p>
+            <a:pPr eaLnBrk="1" hangingPunct="1">
+              <a:buFont typeface="Wingdings" pitchFamily="2" charset="2"/>
+              <a:buChar char="§"/>
+            </a:pPr>
+            <a:r>
+              <a:rPr lang="en-US" sz="4800" dirty="0" smtClean="0">
+                <a:latin typeface="Calibri" pitchFamily="34" charset="0"/>
+              </a:rPr>
+              <a:t>Cost-effective information sharing</a:t>
+            </a:r>
+          </a:p>
+          <a:p>
+            <a:pPr marL="0" indent="0" eaLnBrk="1" hangingPunct="1">
+              <a:buNone/>
+            </a:pPr>
+            <a:endParaRPr lang="en-US" dirty="0" smtClean="0">
+              <a:latin typeface="Calibri" pitchFamily="34" charset="0"/>
+            </a:endParaRPr>
+          </a:p>
+        </p:txBody>
+      </p:sp>
+      <p:sp>
+        <p:nvSpPr>
+          <p:cNvPr id="4" name="Slide Number Placeholder 3"/>
+          <p:cNvSpPr>
+            <a:spLocks noGrp="1"/>
+          </p:cNvSpPr>
+          <p:nvPr>
+            <p:ph type="sldNum" sz="quarter" idx="10"/>
+          </p:nvPr>
+        </p:nvSpPr>
+        <p:spPr/>
+        <p:txBody>
+          <a:bodyPr/>
+          <a:lstStyle/>
+          <a:p>
+            <a:fld id="{FBE2B389-5997-41EC-A1F5-068E11418883}" type="slidenum">
+              <a:rPr lang="en-US"/>
+              <a:pPr/>
+              <a:t>18</a:t>
             </a:fld>
             <a:endParaRPr lang="en-US"/>
           </a:p>
